--- a/database/sanguo/tysjy.pptx
+++ b/database/sanguo/tysjy.pptx
@@ -6,19 +6,20 @@
     <p:sldMasterId id="2147483702" r:id="rId2"/>
   </p:sldMasterIdLst>
   <p:notesMasterIdLst>
-    <p:notesMasterId r:id="rId8"/>
+    <p:notesMasterId r:id="rId9"/>
   </p:notesMasterIdLst>
   <p:sldIdLst>
     <p:sldId id="344" r:id="rId3"/>
     <p:sldId id="340" r:id="rId4"/>
     <p:sldId id="342" r:id="rId5"/>
-    <p:sldId id="341" r:id="rId6"/>
-    <p:sldId id="343" r:id="rId7"/>
+    <p:sldId id="345" r:id="rId6"/>
+    <p:sldId id="341" r:id="rId7"/>
+    <p:sldId id="343" r:id="rId8"/>
   </p:sldIdLst>
   <p:sldSz cx="9144000" cy="5143500" type="screen16x9"/>
   <p:notesSz cx="6858000" cy="9144000"/>
   <p:custDataLst>
-    <p:tags r:id="rId9"/>
+    <p:tags r:id="rId10"/>
   </p:custDataLst>
   <p:defaultTextStyle>
     <a:defPPr>
@@ -220,7 +221,7 @@
           <a:p>
             <a:fld id="{B742D0A0-D0A5-4B5D-889C-F50722E5FEE5}" type="datetimeFigureOut">
               <a:rPr lang="zh-CN" altLang="en-US" smtClean="0"/>
-              <a:t>2024/3/8</a:t>
+              <a:t>2024/3/9</a:t>
             </a:fld>
             <a:endParaRPr lang="zh-CN" altLang="en-US" dirty="0"/>
           </a:p>
@@ -4306,7 +4307,7 @@
                 </a:solidFill>
               </a:rPr>
               <a:pPr/>
-              <a:t>2024/3/8</a:t>
+              <a:t>2024/3/9</a:t>
             </a:fld>
             <a:endParaRPr lang="zh-CN" altLang="en-US">
               <a:solidFill>
@@ -4536,7 +4537,7 @@
                 </a:solidFill>
               </a:rPr>
               <a:pPr/>
-              <a:t>2024/3/8</a:t>
+              <a:t>2024/3/9</a:t>
             </a:fld>
             <a:endParaRPr lang="zh-CN" altLang="en-US">
               <a:solidFill>
@@ -6738,6 +6739,84 @@
       </p:grpSpPr>
       <p:pic>
         <p:nvPicPr>
+          <p:cNvPr id="3" name="图片 2">
+            <a:extLst>
+              <a:ext uri="{FF2B5EF4-FFF2-40B4-BE49-F238E27FC236}">
+                <a16:creationId xmlns:a16="http://schemas.microsoft.com/office/drawing/2014/main" id="{14C46645-A665-33D5-0BA2-C058D6A015F3}"/>
+              </a:ext>
+            </a:extLst>
+          </p:cNvPr>
+          <p:cNvPicPr>
+            <a:picLocks noChangeAspect="1"/>
+          </p:cNvPicPr>
+          <p:nvPr/>
+        </p:nvPicPr>
+        <p:blipFill>
+          <a:blip r:embed="rId2">
+            <a:extLst>
+              <a:ext uri="{28A0092B-C50C-407E-A947-70E740481C1C}">
+                <a14:useLocalDpi xmlns:a14="http://schemas.microsoft.com/office/drawing/2010/main" val="0"/>
+              </a:ext>
+            </a:extLst>
+          </a:blip>
+          <a:stretch>
+            <a:fillRect/>
+          </a:stretch>
+        </p:blipFill>
+        <p:spPr>
+          <a:xfrm>
+            <a:off x="0" y="0"/>
+            <a:ext cx="9144000" cy="5143500"/>
+          </a:xfrm>
+          <a:prstGeom prst="rect">
+            <a:avLst/>
+          </a:prstGeom>
+        </p:spPr>
+      </p:pic>
+    </p:spTree>
+    <p:extLst>
+      <p:ext uri="{BB962C8B-B14F-4D97-AF65-F5344CB8AC3E}">
+        <p14:creationId xmlns:p14="http://schemas.microsoft.com/office/powerpoint/2010/main" val="3813189147"/>
+      </p:ext>
+    </p:extLst>
+  </p:cSld>
+  <p:clrMapOvr>
+    <a:masterClrMapping/>
+  </p:clrMapOvr>
+  <mc:AlternateContent xmlns:mc="http://schemas.openxmlformats.org/markup-compatibility/2006">
+    <mc:Choice xmlns:p14="http://schemas.microsoft.com/office/powerpoint/2010/main" Requires="p14">
+      <p:transition spd="med" p14:dur="700" advTm="5000">
+        <p:fade/>
+      </p:transition>
+    </mc:Choice>
+    <mc:Fallback>
+      <p:transition spd="med" advTm="5000">
+        <p:fade/>
+      </p:transition>
+    </mc:Fallback>
+  </mc:AlternateContent>
+</p:sld>
+</file>
+
+<file path=ppt/slides/slide5.xml><?xml version="1.0" encoding="utf-8"?>
+<p:sld xmlns:a="http://schemas.openxmlformats.org/drawingml/2006/main" xmlns:r="http://schemas.openxmlformats.org/officeDocument/2006/relationships" xmlns:p="http://schemas.openxmlformats.org/presentationml/2006/main">
+  <p:cSld>
+    <p:spTree>
+      <p:nvGrpSpPr>
+        <p:cNvPr id="1" name=""/>
+        <p:cNvGrpSpPr/>
+        <p:nvPr/>
+      </p:nvGrpSpPr>
+      <p:grpSpPr>
+        <a:xfrm>
+          <a:off x="0" y="0"/>
+          <a:ext cx="0" cy="0"/>
+          <a:chOff x="0" y="0"/>
+          <a:chExt cx="0" cy="0"/>
+        </a:xfrm>
+      </p:grpSpPr>
+      <p:pic>
+        <p:nvPicPr>
           <p:cNvPr id="4" name="图片 3">
             <a:extLst>
               <a:ext uri="{FF2B5EF4-FFF2-40B4-BE49-F238E27FC236}">
@@ -6797,7 +6876,7 @@
 </p:sld>
 </file>
 
-<file path=ppt/slides/slide5.xml><?xml version="1.0" encoding="utf-8"?>
+<file path=ppt/slides/slide6.xml><?xml version="1.0" encoding="utf-8"?>
 <p:sld xmlns:a="http://schemas.openxmlformats.org/drawingml/2006/main" xmlns:r="http://schemas.openxmlformats.org/officeDocument/2006/relationships" xmlns:p="http://schemas.openxmlformats.org/presentationml/2006/main">
   <p:cSld>
     <p:spTree>
